--- a/i110 - Great and Marvelous.pptx
+++ b/i110 - Great and Marvelous.pptx
@@ -114,10 +114,6 @@
 </p:presentation>
 </file>
 
-<file path=ppt/revisionInfo.xml><?xml version="1.0" encoding="utf-8"?>
-<p1510:revInfo xmlns:a="http://schemas.openxmlformats.org/drawingml/2006/main" xmlns:r="http://schemas.openxmlformats.org/officeDocument/2006/relationships" xmlns:p1510="http://schemas.microsoft.com/office/powerpoint/2015/10/main"/>
-</file>
-
 <file path=ppt/slideLayouts/slideLayout1.xml><?xml version="1.0" encoding="utf-8"?>
 <p:sldLayout xmlns:a="http://schemas.openxmlformats.org/drawingml/2006/main" xmlns:r="http://schemas.openxmlformats.org/officeDocument/2006/relationships" xmlns:p="http://schemas.openxmlformats.org/presentationml/2006/main" type="title" preserve="1">
   <p:cSld name="Title Slide">
@@ -247,7 +243,7 @@
           <a:p>
             <a:fld id="{32F7251A-AE54-443C-B8FE-5F636E835EBF}" type="datetimeFigureOut">
               <a:rPr lang="en-US" smtClean="0"/>
-              <a:t>1/28/2018</a:t>
+              <a:t>10/21/2018</a:t>
             </a:fld>
             <a:endParaRPr lang="en-US"/>
           </a:p>
@@ -415,7 +411,7 @@
           <a:p>
             <a:fld id="{32F7251A-AE54-443C-B8FE-5F636E835EBF}" type="datetimeFigureOut">
               <a:rPr lang="en-US" smtClean="0"/>
-              <a:t>1/28/2018</a:t>
+              <a:t>10/21/2018</a:t>
             </a:fld>
             <a:endParaRPr lang="en-US"/>
           </a:p>
@@ -593,7 +589,7 @@
           <a:p>
             <a:fld id="{32F7251A-AE54-443C-B8FE-5F636E835EBF}" type="datetimeFigureOut">
               <a:rPr lang="en-US" smtClean="0"/>
-              <a:t>1/28/2018</a:t>
+              <a:t>10/21/2018</a:t>
             </a:fld>
             <a:endParaRPr lang="en-US"/>
           </a:p>
@@ -761,7 +757,7 @@
           <a:p>
             <a:fld id="{32F7251A-AE54-443C-B8FE-5F636E835EBF}" type="datetimeFigureOut">
               <a:rPr lang="en-US" smtClean="0"/>
-              <a:t>1/28/2018</a:t>
+              <a:t>10/21/2018</a:t>
             </a:fld>
             <a:endParaRPr lang="en-US"/>
           </a:p>
@@ -1006,7 +1002,7 @@
           <a:p>
             <a:fld id="{32F7251A-AE54-443C-B8FE-5F636E835EBF}" type="datetimeFigureOut">
               <a:rPr lang="en-US" smtClean="0"/>
-              <a:t>1/28/2018</a:t>
+              <a:t>10/21/2018</a:t>
             </a:fld>
             <a:endParaRPr lang="en-US"/>
           </a:p>
@@ -1235,7 +1231,7 @@
           <a:p>
             <a:fld id="{32F7251A-AE54-443C-B8FE-5F636E835EBF}" type="datetimeFigureOut">
               <a:rPr lang="en-US" smtClean="0"/>
-              <a:t>1/28/2018</a:t>
+              <a:t>10/21/2018</a:t>
             </a:fld>
             <a:endParaRPr lang="en-US"/>
           </a:p>
@@ -1599,7 +1595,7 @@
           <a:p>
             <a:fld id="{32F7251A-AE54-443C-B8FE-5F636E835EBF}" type="datetimeFigureOut">
               <a:rPr lang="en-US" smtClean="0"/>
-              <a:t>1/28/2018</a:t>
+              <a:t>10/21/2018</a:t>
             </a:fld>
             <a:endParaRPr lang="en-US"/>
           </a:p>
@@ -1716,7 +1712,7 @@
           <a:p>
             <a:fld id="{32F7251A-AE54-443C-B8FE-5F636E835EBF}" type="datetimeFigureOut">
               <a:rPr lang="en-US" smtClean="0"/>
-              <a:t>1/28/2018</a:t>
+              <a:t>10/21/2018</a:t>
             </a:fld>
             <a:endParaRPr lang="en-US"/>
           </a:p>
@@ -1811,7 +1807,7 @@
           <a:p>
             <a:fld id="{32F7251A-AE54-443C-B8FE-5F636E835EBF}" type="datetimeFigureOut">
               <a:rPr lang="en-US" smtClean="0"/>
-              <a:t>1/28/2018</a:t>
+              <a:t>10/21/2018</a:t>
             </a:fld>
             <a:endParaRPr lang="en-US"/>
           </a:p>
@@ -2086,7 +2082,7 @@
           <a:p>
             <a:fld id="{32F7251A-AE54-443C-B8FE-5F636E835EBF}" type="datetimeFigureOut">
               <a:rPr lang="en-US" smtClean="0"/>
-              <a:t>1/28/2018</a:t>
+              <a:t>10/21/2018</a:t>
             </a:fld>
             <a:endParaRPr lang="en-US"/>
           </a:p>
@@ -2338,7 +2334,7 @@
           <a:p>
             <a:fld id="{32F7251A-AE54-443C-B8FE-5F636E835EBF}" type="datetimeFigureOut">
               <a:rPr lang="en-US" smtClean="0"/>
-              <a:t>1/28/2018</a:t>
+              <a:t>10/21/2018</a:t>
             </a:fld>
             <a:endParaRPr lang="en-US"/>
           </a:p>
@@ -2552,7 +2548,7 @@
           <a:p>
             <a:fld id="{32F7251A-AE54-443C-B8FE-5F636E835EBF}" type="datetimeFigureOut">
               <a:rPr lang="en-US" smtClean="0"/>
-              <a:t>1/28/2018</a:t>
+              <a:t>10/21/2018</a:t>
             </a:fld>
             <a:endParaRPr lang="en-US"/>
           </a:p>
@@ -3162,7 +3158,7 @@
                   <a:schemeClr val="bg1"/>
                 </a:solidFill>
               </a:rPr>
-              <a:t>Unto Him along wherever man is found.</a:t>
+              <a:t>Unto Him alone wherever man is found.</a:t>
             </a:r>
           </a:p>
         </p:txBody>
@@ -3418,7 +3414,7 @@
                   <a:schemeClr val="bg1"/>
                 </a:solidFill>
               </a:rPr>
-              <a:t>Unto Him along wherever man is found.</a:t>
+              <a:t>Unto Him alone wherever man is found.</a:t>
             </a:r>
           </a:p>
         </p:txBody>
@@ -3658,23 +3654,7 @@
                   <a:schemeClr val="bg1"/>
                 </a:solidFill>
               </a:rPr>
-              <a:t>Unto Him along wherever man </a:t>
-            </a:r>
-            <a:r>
-              <a:rPr lang="en-US" sz="3600">
-                <a:solidFill>
-                  <a:schemeClr val="bg1"/>
-                </a:solidFill>
-              </a:rPr>
-              <a:t>is found</a:t>
-            </a:r>
-            <a:r>
-              <a:rPr lang="en-US" sz="3600" dirty="0">
-                <a:solidFill>
-                  <a:schemeClr val="bg1"/>
-                </a:solidFill>
-              </a:rPr>
-              <a:t>!</a:t>
+              <a:t>Unto Him alone wherever man is found!</a:t>
             </a:r>
           </a:p>
         </p:txBody>

--- a/i110 - Great and Marvelous.pptx
+++ b/i110 - Great and Marvelous.pptx
@@ -243,7 +243,7 @@
           <a:p>
             <a:fld id="{32F7251A-AE54-443C-B8FE-5F636E835EBF}" type="datetimeFigureOut">
               <a:rPr lang="en-US" smtClean="0"/>
-              <a:t>10/21/2018</a:t>
+              <a:t>8/23/2020</a:t>
             </a:fld>
             <a:endParaRPr lang="en-US"/>
           </a:p>
@@ -411,7 +411,7 @@
           <a:p>
             <a:fld id="{32F7251A-AE54-443C-B8FE-5F636E835EBF}" type="datetimeFigureOut">
               <a:rPr lang="en-US" smtClean="0"/>
-              <a:t>10/21/2018</a:t>
+              <a:t>8/23/2020</a:t>
             </a:fld>
             <a:endParaRPr lang="en-US"/>
           </a:p>
@@ -589,7 +589,7 @@
           <a:p>
             <a:fld id="{32F7251A-AE54-443C-B8FE-5F636E835EBF}" type="datetimeFigureOut">
               <a:rPr lang="en-US" smtClean="0"/>
-              <a:t>10/21/2018</a:t>
+              <a:t>8/23/2020</a:t>
             </a:fld>
             <a:endParaRPr lang="en-US"/>
           </a:p>
@@ -757,7 +757,7 @@
           <a:p>
             <a:fld id="{32F7251A-AE54-443C-B8FE-5F636E835EBF}" type="datetimeFigureOut">
               <a:rPr lang="en-US" smtClean="0"/>
-              <a:t>10/21/2018</a:t>
+              <a:t>8/23/2020</a:t>
             </a:fld>
             <a:endParaRPr lang="en-US"/>
           </a:p>
@@ -1002,7 +1002,7 @@
           <a:p>
             <a:fld id="{32F7251A-AE54-443C-B8FE-5F636E835EBF}" type="datetimeFigureOut">
               <a:rPr lang="en-US" smtClean="0"/>
-              <a:t>10/21/2018</a:t>
+              <a:t>8/23/2020</a:t>
             </a:fld>
             <a:endParaRPr lang="en-US"/>
           </a:p>
@@ -1231,7 +1231,7 @@
           <a:p>
             <a:fld id="{32F7251A-AE54-443C-B8FE-5F636E835EBF}" type="datetimeFigureOut">
               <a:rPr lang="en-US" smtClean="0"/>
-              <a:t>10/21/2018</a:t>
+              <a:t>8/23/2020</a:t>
             </a:fld>
             <a:endParaRPr lang="en-US"/>
           </a:p>
@@ -1595,7 +1595,7 @@
           <a:p>
             <a:fld id="{32F7251A-AE54-443C-B8FE-5F636E835EBF}" type="datetimeFigureOut">
               <a:rPr lang="en-US" smtClean="0"/>
-              <a:t>10/21/2018</a:t>
+              <a:t>8/23/2020</a:t>
             </a:fld>
             <a:endParaRPr lang="en-US"/>
           </a:p>
@@ -1712,7 +1712,7 @@
           <a:p>
             <a:fld id="{32F7251A-AE54-443C-B8FE-5F636E835EBF}" type="datetimeFigureOut">
               <a:rPr lang="en-US" smtClean="0"/>
-              <a:t>10/21/2018</a:t>
+              <a:t>8/23/2020</a:t>
             </a:fld>
             <a:endParaRPr lang="en-US"/>
           </a:p>
@@ -1807,7 +1807,7 @@
           <a:p>
             <a:fld id="{32F7251A-AE54-443C-B8FE-5F636E835EBF}" type="datetimeFigureOut">
               <a:rPr lang="en-US" smtClean="0"/>
-              <a:t>10/21/2018</a:t>
+              <a:t>8/23/2020</a:t>
             </a:fld>
             <a:endParaRPr lang="en-US"/>
           </a:p>
@@ -2082,7 +2082,7 @@
           <a:p>
             <a:fld id="{32F7251A-AE54-443C-B8FE-5F636E835EBF}" type="datetimeFigureOut">
               <a:rPr lang="en-US" smtClean="0"/>
-              <a:t>10/21/2018</a:t>
+              <a:t>8/23/2020</a:t>
             </a:fld>
             <a:endParaRPr lang="en-US"/>
           </a:p>
@@ -2334,7 +2334,7 @@
           <a:p>
             <a:fld id="{32F7251A-AE54-443C-B8FE-5F636E835EBF}" type="datetimeFigureOut">
               <a:rPr lang="en-US" smtClean="0"/>
-              <a:t>10/21/2018</a:t>
+              <a:t>8/23/2020</a:t>
             </a:fld>
             <a:endParaRPr lang="en-US"/>
           </a:p>
@@ -2401,7 +2401,9 @@
     <p:bg>
       <p:bgPr>
         <a:solidFill>
-          <a:srgbClr val="333333"/>
+          <a:schemeClr val="bg1">
+            <a:lumMod val="10000"/>
+          </a:schemeClr>
         </a:solidFill>
         <a:effectLst/>
       </p:bgPr>
@@ -2548,7 +2550,7 @@
           <a:p>
             <a:fld id="{32F7251A-AE54-443C-B8FE-5F636E835EBF}" type="datetimeFigureOut">
               <a:rPr lang="en-US" smtClean="0"/>
-              <a:t>10/21/2018</a:t>
+              <a:t>8/23/2020</a:t>
             </a:fld>
             <a:endParaRPr lang="en-US"/>
           </a:p>
@@ -3018,8 +3020,8 @@
         </p:nvSpPr>
         <p:spPr>
           <a:xfrm>
-            <a:off x="0" y="5804209"/>
-            <a:ext cx="12192000" cy="830997"/>
+            <a:off x="0" y="5927320"/>
+            <a:ext cx="12192000" cy="584775"/>
           </a:xfrm>
           <a:prstGeom prst="rect">
             <a:avLst/>
@@ -3034,10 +3036,12 @@
           <a:p>
             <a:pPr algn="ctr"/>
             <a:r>
-              <a:rPr lang="en-US" sz="4800" dirty="0">
+              <a:rPr lang="en-US" sz="3200" u="sng" dirty="0">
                 <a:solidFill>
                   <a:schemeClr val="bg1"/>
                 </a:solidFill>
+                <a:latin typeface="Assistant SemiBold" panose="00000700000000000000" pitchFamily="2" charset="-79"/>
+                <a:cs typeface="Assistant SemiBold" panose="00000700000000000000" pitchFamily="2" charset="-79"/>
               </a:rPr>
               <a:t>“Great and Marvelous”</a:t>
             </a:r>
@@ -3052,8 +3056,8 @@
         </p:nvSpPr>
         <p:spPr>
           <a:xfrm>
-            <a:off x="0" y="213368"/>
-            <a:ext cx="12192000" cy="5078313"/>
+            <a:off x="0" y="791126"/>
+            <a:ext cx="12192000" cy="3970318"/>
           </a:xfrm>
           <a:prstGeom prst="rect">
             <a:avLst/>
@@ -3068,10 +3072,12 @@
           <a:p>
             <a:pPr algn="ctr"/>
             <a:r>
-              <a:rPr lang="en-US" sz="3600" dirty="0">
+              <a:rPr lang="en-US" sz="2800" spc="50" dirty="0">
                 <a:solidFill>
                   <a:schemeClr val="bg1"/>
                 </a:solidFill>
+                <a:latin typeface="Assistant" panose="00000500000000000000" pitchFamily="2" charset="-79"/>
+                <a:cs typeface="Assistant" panose="00000500000000000000" pitchFamily="2" charset="-79"/>
               </a:rPr>
               <a:t>Great and marvelous are Thy works,</a:t>
             </a:r>
@@ -3079,10 +3085,12 @@
           <a:p>
             <a:pPr algn="ctr"/>
             <a:r>
-              <a:rPr lang="en-US" sz="3600" dirty="0">
+              <a:rPr lang="en-US" sz="2800" spc="50" dirty="0">
                 <a:solidFill>
                   <a:schemeClr val="bg1"/>
                 </a:solidFill>
+                <a:latin typeface="Assistant" panose="00000500000000000000" pitchFamily="2" charset="-79"/>
+                <a:cs typeface="Assistant" panose="00000500000000000000" pitchFamily="2" charset="-79"/>
               </a:rPr>
               <a:t>O Lord of hosts, Almighty One!</a:t>
             </a:r>
@@ -3090,10 +3098,12 @@
           <a:p>
             <a:pPr algn="ctr"/>
             <a:r>
-              <a:rPr lang="en-US" sz="3600" dirty="0">
+              <a:rPr lang="en-US" sz="2800" spc="50" dirty="0">
                 <a:solidFill>
                   <a:schemeClr val="bg1"/>
                 </a:solidFill>
+                <a:latin typeface="Assistant" panose="00000500000000000000" pitchFamily="2" charset="-79"/>
+                <a:cs typeface="Assistant" panose="00000500000000000000" pitchFamily="2" charset="-79"/>
               </a:rPr>
               <a:t>Earth and firmament speak Thy praise,</a:t>
             </a:r>
@@ -3101,29 +3111,35 @@
           <a:p>
             <a:pPr algn="ctr"/>
             <a:r>
-              <a:rPr lang="en-US" sz="3600" dirty="0">
+              <a:rPr lang="en-US" sz="2800" spc="50" dirty="0">
                 <a:solidFill>
                   <a:schemeClr val="bg1"/>
                 </a:solidFill>
+                <a:latin typeface="Assistant" panose="00000500000000000000" pitchFamily="2" charset="-79"/>
+                <a:cs typeface="Assistant" panose="00000500000000000000" pitchFamily="2" charset="-79"/>
               </a:rPr>
               <a:t>Thy name is written in the sun.</a:t>
             </a:r>
           </a:p>
           <a:p>
             <a:pPr algn="ctr"/>
-            <a:endParaRPr lang="en-US" sz="3600" dirty="0">
+            <a:endParaRPr lang="en-US" sz="2800" spc="50" dirty="0">
               <a:solidFill>
                 <a:schemeClr val="bg1"/>
               </a:solidFill>
+              <a:latin typeface="Assistant" panose="00000500000000000000" pitchFamily="2" charset="-79"/>
+              <a:cs typeface="Assistant" panose="00000500000000000000" pitchFamily="2" charset="-79"/>
             </a:endParaRPr>
           </a:p>
           <a:p>
             <a:pPr algn="ctr"/>
             <a:r>
-              <a:rPr lang="en-US" sz="3600" dirty="0">
+              <a:rPr lang="en-US" sz="2800" spc="50" dirty="0">
                 <a:solidFill>
                   <a:schemeClr val="bg1"/>
                 </a:solidFill>
+                <a:latin typeface="Assistant" panose="00000500000000000000" pitchFamily="2" charset="-79"/>
+                <a:cs typeface="Assistant" panose="00000500000000000000" pitchFamily="2" charset="-79"/>
               </a:rPr>
               <a:t>Sing of His mighty love, for it is wonderful;</a:t>
             </a:r>
@@ -3131,10 +3147,12 @@
           <a:p>
             <a:pPr algn="ctr"/>
             <a:r>
-              <a:rPr lang="en-US" sz="3600" dirty="0">
+              <a:rPr lang="en-US" sz="2800" spc="50" dirty="0">
                 <a:solidFill>
                   <a:schemeClr val="bg1"/>
                 </a:solidFill>
+                <a:latin typeface="Assistant" panose="00000500000000000000" pitchFamily="2" charset="-79"/>
+                <a:cs typeface="Assistant" panose="00000500000000000000" pitchFamily="2" charset="-79"/>
               </a:rPr>
               <a:t>Let His praise through all the earth resound;</a:t>
             </a:r>
@@ -3142,10 +3160,12 @@
           <a:p>
             <a:pPr algn="ctr"/>
             <a:r>
-              <a:rPr lang="en-US" sz="3600" dirty="0">
+              <a:rPr lang="en-US" sz="2800" spc="50" dirty="0">
                 <a:solidFill>
                   <a:schemeClr val="bg1"/>
                 </a:solidFill>
+                <a:latin typeface="Assistant" panose="00000500000000000000" pitchFamily="2" charset="-79"/>
+                <a:cs typeface="Assistant" panose="00000500000000000000" pitchFamily="2" charset="-79"/>
               </a:rPr>
               <a:t>Honor and majesty, now and forever be,</a:t>
             </a:r>
@@ -3153,10 +3173,12 @@
           <a:p>
             <a:pPr algn="ctr"/>
             <a:r>
-              <a:rPr lang="en-US" sz="3600" dirty="0">
+              <a:rPr lang="en-US" sz="2800" spc="50" dirty="0">
                 <a:solidFill>
                   <a:schemeClr val="bg1"/>
                 </a:solidFill>
+                <a:latin typeface="Assistant" panose="00000500000000000000" pitchFamily="2" charset="-79"/>
+                <a:cs typeface="Assistant" panose="00000500000000000000" pitchFamily="2" charset="-79"/>
               </a:rPr>
               <a:t>Unto Him alone wherever man is found.</a:t>
             </a:r>
@@ -3258,8 +3280,8 @@
         </p:nvSpPr>
         <p:spPr>
           <a:xfrm>
-            <a:off x="0" y="5804209"/>
-            <a:ext cx="12192000" cy="830997"/>
+            <a:off x="0" y="5927320"/>
+            <a:ext cx="12192000" cy="584775"/>
           </a:xfrm>
           <a:prstGeom prst="rect">
             <a:avLst/>
@@ -3274,10 +3296,12 @@
           <a:p>
             <a:pPr algn="ctr"/>
             <a:r>
-              <a:rPr lang="en-US" sz="4800" dirty="0">
+              <a:rPr lang="en-US" sz="3200" u="sng" dirty="0">
                 <a:solidFill>
                   <a:schemeClr val="bg1"/>
                 </a:solidFill>
+                <a:latin typeface="Assistant SemiBold" panose="00000700000000000000" pitchFamily="2" charset="-79"/>
+                <a:cs typeface="Assistant SemiBold" panose="00000700000000000000" pitchFamily="2" charset="-79"/>
               </a:rPr>
               <a:t>“Great and Marvelous”</a:t>
             </a:r>
@@ -3292,8 +3316,8 @@
         </p:nvSpPr>
         <p:spPr>
           <a:xfrm>
-            <a:off x="0" y="213368"/>
-            <a:ext cx="12192000" cy="5078313"/>
+            <a:off x="0" y="791126"/>
+            <a:ext cx="12192000" cy="3970318"/>
           </a:xfrm>
           <a:prstGeom prst="rect">
             <a:avLst/>
@@ -3308,10 +3332,12 @@
           <a:p>
             <a:pPr algn="ctr"/>
             <a:r>
-              <a:rPr lang="en-US" sz="3600" dirty="0">
+              <a:rPr lang="en-US" sz="2800" spc="50" dirty="0">
                 <a:solidFill>
                   <a:schemeClr val="bg1"/>
                 </a:solidFill>
+                <a:latin typeface="Assistant" panose="00000500000000000000" pitchFamily="2" charset="-79"/>
+                <a:cs typeface="Assistant" panose="00000500000000000000" pitchFamily="2" charset="-79"/>
               </a:rPr>
               <a:t>Thou hast fashioned with Thine own hand,</a:t>
             </a:r>
@@ -3319,26 +3345,32 @@
           <a:p>
             <a:pPr algn="ctr"/>
             <a:r>
-              <a:rPr lang="en-US" sz="3600" dirty="0">
+              <a:rPr lang="en-US" sz="2800" spc="50" dirty="0">
                 <a:solidFill>
                   <a:schemeClr val="bg1"/>
                 </a:solidFill>
+                <a:latin typeface="Assistant" panose="00000500000000000000" pitchFamily="2" charset="-79"/>
+                <a:cs typeface="Assistant" panose="00000500000000000000" pitchFamily="2" charset="-79"/>
               </a:rPr>
               <a:t>The earth below, the </a:t>
             </a:r>
             <a:r>
-              <a:rPr lang="en-US" sz="3600" dirty="0" err="1">
+              <a:rPr lang="en-US" sz="2800" spc="50" dirty="0" err="1">
                 <a:solidFill>
                   <a:schemeClr val="bg1"/>
                 </a:solidFill>
+                <a:latin typeface="Assistant" panose="00000500000000000000" pitchFamily="2" charset="-79"/>
+                <a:cs typeface="Assistant" panose="00000500000000000000" pitchFamily="2" charset="-79"/>
               </a:rPr>
               <a:t>heav’ns</a:t>
             </a:r>
             <a:r>
-              <a:rPr lang="en-US" sz="3600" dirty="0">
+              <a:rPr lang="en-US" sz="2800" spc="50" dirty="0">
                 <a:solidFill>
                   <a:schemeClr val="bg1"/>
                 </a:solidFill>
+                <a:latin typeface="Assistant" panose="00000500000000000000" pitchFamily="2" charset="-79"/>
+                <a:cs typeface="Assistant" panose="00000500000000000000" pitchFamily="2" charset="-79"/>
               </a:rPr>
               <a:t> above;</a:t>
             </a:r>
@@ -3346,10 +3378,12 @@
           <a:p>
             <a:pPr algn="ctr"/>
             <a:r>
-              <a:rPr lang="en-US" sz="3600" dirty="0">
+              <a:rPr lang="en-US" sz="2800" spc="50" dirty="0">
                 <a:solidFill>
                   <a:schemeClr val="bg1"/>
                 </a:solidFill>
+                <a:latin typeface="Assistant" panose="00000500000000000000" pitchFamily="2" charset="-79"/>
+                <a:cs typeface="Assistant" panose="00000500000000000000" pitchFamily="2" charset="-79"/>
               </a:rPr>
               <a:t>Oh, how wonderful is Thy power,</a:t>
             </a:r>
@@ -3357,29 +3391,35 @@
           <a:p>
             <a:pPr algn="ctr"/>
             <a:r>
-              <a:rPr lang="en-US" sz="3600" dirty="0">
+              <a:rPr lang="en-US" sz="2800" spc="50" dirty="0">
                 <a:solidFill>
                   <a:schemeClr val="bg1"/>
                 </a:solidFill>
+                <a:latin typeface="Assistant" panose="00000500000000000000" pitchFamily="2" charset="-79"/>
+                <a:cs typeface="Assistant" panose="00000500000000000000" pitchFamily="2" charset="-79"/>
               </a:rPr>
               <a:t>And yet how tender is Thy love!</a:t>
             </a:r>
           </a:p>
           <a:p>
             <a:pPr algn="ctr"/>
-            <a:endParaRPr lang="en-US" sz="3600" dirty="0">
+            <a:endParaRPr lang="en-US" sz="2800" spc="50" dirty="0">
               <a:solidFill>
                 <a:schemeClr val="bg1"/>
               </a:solidFill>
+              <a:latin typeface="Assistant" panose="00000500000000000000" pitchFamily="2" charset="-79"/>
+              <a:cs typeface="Assistant" panose="00000500000000000000" pitchFamily="2" charset="-79"/>
             </a:endParaRPr>
           </a:p>
           <a:p>
             <a:pPr algn="ctr"/>
             <a:r>
-              <a:rPr lang="en-US" sz="3600" dirty="0">
+              <a:rPr lang="en-US" sz="2800" spc="50" dirty="0">
                 <a:solidFill>
                   <a:schemeClr val="bg1"/>
                 </a:solidFill>
+                <a:latin typeface="Assistant" panose="00000500000000000000" pitchFamily="2" charset="-79"/>
+                <a:cs typeface="Assistant" panose="00000500000000000000" pitchFamily="2" charset="-79"/>
               </a:rPr>
               <a:t>Sing of His mighty love, for it is wonderful;</a:t>
             </a:r>
@@ -3387,10 +3427,12 @@
           <a:p>
             <a:pPr algn="ctr"/>
             <a:r>
-              <a:rPr lang="en-US" sz="3600" dirty="0">
+              <a:rPr lang="en-US" sz="2800" spc="50" dirty="0">
                 <a:solidFill>
                   <a:schemeClr val="bg1"/>
                 </a:solidFill>
+                <a:latin typeface="Assistant" panose="00000500000000000000" pitchFamily="2" charset="-79"/>
+                <a:cs typeface="Assistant" panose="00000500000000000000" pitchFamily="2" charset="-79"/>
               </a:rPr>
               <a:t>Let His praise through all the earth resound;</a:t>
             </a:r>
@@ -3398,10 +3440,12 @@
           <a:p>
             <a:pPr algn="ctr"/>
             <a:r>
-              <a:rPr lang="en-US" sz="3600" dirty="0">
+              <a:rPr lang="en-US" sz="2800" spc="50" dirty="0">
                 <a:solidFill>
                   <a:schemeClr val="bg1"/>
                 </a:solidFill>
+                <a:latin typeface="Assistant" panose="00000500000000000000" pitchFamily="2" charset="-79"/>
+                <a:cs typeface="Assistant" panose="00000500000000000000" pitchFamily="2" charset="-79"/>
               </a:rPr>
               <a:t>Honor and majesty, now and forever be,</a:t>
             </a:r>
@@ -3409,10 +3453,12 @@
           <a:p>
             <a:pPr algn="ctr"/>
             <a:r>
-              <a:rPr lang="en-US" sz="3600" dirty="0">
+              <a:rPr lang="en-US" sz="2800" spc="50" dirty="0">
                 <a:solidFill>
                   <a:schemeClr val="bg1"/>
                 </a:solidFill>
+                <a:latin typeface="Assistant" panose="00000500000000000000" pitchFamily="2" charset="-79"/>
+                <a:cs typeface="Assistant" panose="00000500000000000000" pitchFamily="2" charset="-79"/>
               </a:rPr>
               <a:t>Unto Him alone wherever man is found.</a:t>
             </a:r>
@@ -3514,8 +3560,8 @@
         </p:nvSpPr>
         <p:spPr>
           <a:xfrm>
-            <a:off x="0" y="5804209"/>
-            <a:ext cx="12192000" cy="830997"/>
+            <a:off x="0" y="5927320"/>
+            <a:ext cx="12192000" cy="584775"/>
           </a:xfrm>
           <a:prstGeom prst="rect">
             <a:avLst/>
@@ -3530,10 +3576,12 @@
           <a:p>
             <a:pPr algn="ctr"/>
             <a:r>
-              <a:rPr lang="en-US" sz="4800" dirty="0">
+              <a:rPr lang="en-US" sz="3200" u="sng" dirty="0">
                 <a:solidFill>
                   <a:schemeClr val="bg1"/>
                 </a:solidFill>
+                <a:latin typeface="Assistant SemiBold" panose="00000700000000000000" pitchFamily="2" charset="-79"/>
+                <a:cs typeface="Assistant SemiBold" panose="00000700000000000000" pitchFamily="2" charset="-79"/>
               </a:rPr>
               <a:t>“Great and Marvelous”</a:t>
             </a:r>
@@ -3548,8 +3596,8 @@
         </p:nvSpPr>
         <p:spPr>
           <a:xfrm>
-            <a:off x="0" y="213368"/>
-            <a:ext cx="12192000" cy="5078313"/>
+            <a:off x="0" y="791126"/>
+            <a:ext cx="12192000" cy="3970318"/>
           </a:xfrm>
           <a:prstGeom prst="rect">
             <a:avLst/>
@@ -3564,10 +3612,12 @@
           <a:p>
             <a:pPr algn="ctr"/>
             <a:r>
-              <a:rPr lang="en-US" sz="3600" dirty="0">
+              <a:rPr lang="en-US" sz="2800" spc="50" dirty="0">
                 <a:solidFill>
                   <a:schemeClr val="bg1"/>
                 </a:solidFill>
+                <a:latin typeface="Assistant" panose="00000500000000000000" pitchFamily="2" charset="-79"/>
+                <a:cs typeface="Assistant" panose="00000500000000000000" pitchFamily="2" charset="-79"/>
               </a:rPr>
               <a:t>O Thou infinite, living God,</a:t>
             </a:r>
@@ -3575,10 +3625,12 @@
           <a:p>
             <a:pPr algn="ctr"/>
             <a:r>
-              <a:rPr lang="en-US" sz="3600" dirty="0">
+              <a:rPr lang="en-US" sz="2800" spc="50" dirty="0">
                 <a:solidFill>
                   <a:schemeClr val="bg1"/>
                 </a:solidFill>
+                <a:latin typeface="Assistant" panose="00000500000000000000" pitchFamily="2" charset="-79"/>
+                <a:cs typeface="Assistant" panose="00000500000000000000" pitchFamily="2" charset="-79"/>
               </a:rPr>
               <a:t>Upon us now Thy spirit pour;</a:t>
             </a:r>
@@ -3586,10 +3638,12 @@
           <a:p>
             <a:pPr algn="ctr"/>
             <a:r>
-              <a:rPr lang="en-US" sz="3600" dirty="0">
+              <a:rPr lang="en-US" sz="2800" spc="50" dirty="0">
                 <a:solidFill>
                   <a:schemeClr val="bg1"/>
                 </a:solidFill>
+                <a:latin typeface="Assistant" panose="00000500000000000000" pitchFamily="2" charset="-79"/>
+                <a:cs typeface="Assistant" panose="00000500000000000000" pitchFamily="2" charset="-79"/>
               </a:rPr>
               <a:t>We would worship Thee, laud and praise</a:t>
             </a:r>
@@ -3597,29 +3651,35 @@
           <a:p>
             <a:pPr algn="ctr"/>
             <a:r>
-              <a:rPr lang="en-US" sz="3600" dirty="0">
+              <a:rPr lang="en-US" sz="2800" spc="50" dirty="0">
                 <a:solidFill>
                   <a:schemeClr val="bg1"/>
                 </a:solidFill>
+                <a:latin typeface="Assistant" panose="00000500000000000000" pitchFamily="2" charset="-79"/>
+                <a:cs typeface="Assistant" panose="00000500000000000000" pitchFamily="2" charset="-79"/>
               </a:rPr>
               <a:t>Thy holy name forevermore!</a:t>
             </a:r>
           </a:p>
           <a:p>
             <a:pPr algn="ctr"/>
-            <a:endParaRPr lang="en-US" sz="3600" dirty="0">
+            <a:endParaRPr lang="en-US" sz="2800" spc="50" dirty="0">
               <a:solidFill>
                 <a:schemeClr val="bg1"/>
               </a:solidFill>
+              <a:latin typeface="Assistant" panose="00000500000000000000" pitchFamily="2" charset="-79"/>
+              <a:cs typeface="Assistant" panose="00000500000000000000" pitchFamily="2" charset="-79"/>
             </a:endParaRPr>
           </a:p>
           <a:p>
             <a:pPr algn="ctr"/>
             <a:r>
-              <a:rPr lang="en-US" sz="3600" dirty="0">
+              <a:rPr lang="en-US" sz="2800" spc="50" dirty="0">
                 <a:solidFill>
                   <a:schemeClr val="bg1"/>
                 </a:solidFill>
+                <a:latin typeface="Assistant" panose="00000500000000000000" pitchFamily="2" charset="-79"/>
+                <a:cs typeface="Assistant" panose="00000500000000000000" pitchFamily="2" charset="-79"/>
               </a:rPr>
               <a:t>Sing of His mighty love, for it is wonderful;</a:t>
             </a:r>
@@ -3627,10 +3687,12 @@
           <a:p>
             <a:pPr algn="ctr"/>
             <a:r>
-              <a:rPr lang="en-US" sz="3600" dirty="0">
+              <a:rPr lang="en-US" sz="2800" spc="50" dirty="0">
                 <a:solidFill>
                   <a:schemeClr val="bg1"/>
                 </a:solidFill>
+                <a:latin typeface="Assistant" panose="00000500000000000000" pitchFamily="2" charset="-79"/>
+                <a:cs typeface="Assistant" panose="00000500000000000000" pitchFamily="2" charset="-79"/>
               </a:rPr>
               <a:t>Let His praise through all the earth resound;</a:t>
             </a:r>
@@ -3638,10 +3700,12 @@
           <a:p>
             <a:pPr algn="ctr"/>
             <a:r>
-              <a:rPr lang="en-US" sz="3600" dirty="0">
+              <a:rPr lang="en-US" sz="2800" spc="50" dirty="0">
                 <a:solidFill>
                   <a:schemeClr val="bg1"/>
                 </a:solidFill>
+                <a:latin typeface="Assistant" panose="00000500000000000000" pitchFamily="2" charset="-79"/>
+                <a:cs typeface="Assistant" panose="00000500000000000000" pitchFamily="2" charset="-79"/>
               </a:rPr>
               <a:t>Honor and majesty, now and forever be,</a:t>
             </a:r>
@@ -3649,10 +3713,12 @@
           <a:p>
             <a:pPr algn="ctr"/>
             <a:r>
-              <a:rPr lang="en-US" sz="3600" dirty="0">
+              <a:rPr lang="en-US" sz="2800" spc="50" dirty="0">
                 <a:solidFill>
                   <a:schemeClr val="bg1"/>
                 </a:solidFill>
+                <a:latin typeface="Assistant" panose="00000500000000000000" pitchFamily="2" charset="-79"/>
+                <a:cs typeface="Assistant" panose="00000500000000000000" pitchFamily="2" charset="-79"/>
               </a:rPr>
               <a:t>Unto Him alone wherever man is found!</a:t>
             </a:r>
